--- a/reports/Final_Presentation.pptx
+++ b/reports/Final_Presentation.pptx
@@ -2197,7 +2197,7 @@
 <dgm:dataModel xmlns:dgm="http://schemas.openxmlformats.org/drawingml/2006/diagram" xmlns:a="http://schemas.openxmlformats.org/drawingml/2006/main">
   <dgm:ptLst>
     <dgm:pt modelId="{522D0BDD-C728-44EE-95A1-21FD729B3A90}" type="doc">
-      <dgm:prSet loTypeId="urn:microsoft.com/office/officeart/2016/7/layout/LinearBlockProcessNumbered" loCatId="process" qsTypeId="urn:microsoft.com/office/officeart/2005/8/quickstyle/simple5" qsCatId="simple" csTypeId="urn:microsoft.com/office/officeart/2005/8/colors/colorful2" csCatId="colorful"/>
+      <dgm:prSet loTypeId="urn:microsoft.com/office/officeart/2016/7/layout/LinearBlockProcessNumbered" loCatId="process" qsTypeId="urn:microsoft.com/office/officeart/2005/8/quickstyle/simple5" qsCatId="simple" csTypeId="urn:microsoft.com/office/officeart/2005/8/colors/colorful2" csCatId="colorful" phldr="1"/>
       <dgm:spPr/>
       <dgm:t>
         <a:bodyPr/>
@@ -2258,7 +2258,11 @@
           <a:pPr algn="ctr"/>
           <a:r>
             <a:rPr lang="en-GB" sz="3600" i="1" dirty="0"/>
-            <a:t>Underestimated effect of oil price </a:t>
+            <a:t>Underestimated effect of oil price on </a:t>
+          </a:r>
+          <a:r>
+            <a:rPr lang="en-GB" sz="3600" i="1"/>
+            <a:t>other variables</a:t>
           </a:r>
           <a:endParaRPr lang="en-US" sz="3600" dirty="0"/>
         </a:p>
@@ -2340,7 +2344,7 @@
       <dgm:spPr/>
     </dgm:pt>
     <dgm:pt modelId="{74837636-4821-344D-A25E-44052986B039}" type="pres">
-      <dgm:prSet presAssocID="{6D7C951D-5134-4376-B628-EBB5064E3B89}" presName="bgRect" presStyleLbl="alignNode1" presStyleIdx="1" presStyleCnt="2"/>
+      <dgm:prSet presAssocID="{6D7C951D-5134-4376-B628-EBB5064E3B89}" presName="bgRect" presStyleLbl="alignNode1" presStyleIdx="1" presStyleCnt="2" custScaleX="111719"/>
       <dgm:spPr/>
     </dgm:pt>
     <dgm:pt modelId="{31098499-6EB6-D246-9C9F-8B7C99F80A61}" type="pres">
@@ -2881,8 +2885,8 @@
       </dsp:nvSpPr>
       <dsp:spPr>
         <a:xfrm>
-          <a:off x="2" y="0"/>
-          <a:ext cx="5594728" cy="3488748"/>
+          <a:off x="0" y="0"/>
+          <a:ext cx="5299072" cy="3488748"/>
         </a:xfrm>
         <a:prstGeom prst="rect">
           <a:avLst/>
@@ -2968,7 +2972,7 @@
         </a:fontRef>
       </dsp:style>
       <dsp:txBody>
-        <a:bodyPr spcFirstLastPara="0" vert="horz" wrap="square" lIns="552635" tIns="0" rIns="552635" bIns="330200" numCol="1" spcCol="1270" anchor="t" anchorCtr="0">
+        <a:bodyPr spcFirstLastPara="0" vert="horz" wrap="square" lIns="523431" tIns="0" rIns="523431" bIns="330200" numCol="1" spcCol="1270" anchor="t" anchorCtr="0">
           <a:noAutofit/>
         </a:bodyPr>
         <a:lstStyle/>
@@ -2993,8 +2997,8 @@
         </a:p>
       </dsp:txBody>
       <dsp:txXfrm>
-        <a:off x="2" y="1395499"/>
-        <a:ext cx="5594728" cy="2093248"/>
+        <a:off x="0" y="1395499"/>
+        <a:ext cx="5299072" cy="2093248"/>
       </dsp:txXfrm>
     </dsp:sp>
     <dsp:sp modelId="{D21C76F8-294B-AA40-B543-AE87B991C8F0}">
@@ -3004,8 +3008,8 @@
       </dsp:nvSpPr>
       <dsp:spPr>
         <a:xfrm>
-          <a:off x="3638" y="0"/>
-          <a:ext cx="5594728" cy="1395499"/>
+          <a:off x="622" y="0"/>
+          <a:ext cx="5299072" cy="1395499"/>
         </a:xfrm>
         <a:prstGeom prst="rect">
           <a:avLst/>
@@ -3045,7 +3049,7 @@
         </a:fontRef>
       </dsp:style>
       <dsp:txBody>
-        <a:bodyPr spcFirstLastPara="0" vert="horz" wrap="square" lIns="552635" tIns="165100" rIns="552635" bIns="165100" numCol="1" spcCol="1270" anchor="ctr" anchorCtr="0">
+        <a:bodyPr spcFirstLastPara="0" vert="horz" wrap="square" lIns="523431" tIns="165100" rIns="523431" bIns="165100" numCol="1" spcCol="1270" anchor="ctr" anchorCtr="0">
           <a:noAutofit/>
         </a:bodyPr>
         <a:lstStyle/>
@@ -3069,8 +3073,8 @@
         </a:p>
       </dsp:txBody>
       <dsp:txXfrm>
-        <a:off x="3638" y="0"/>
-        <a:ext cx="5594728" cy="1395499"/>
+        <a:off x="622" y="0"/>
+        <a:ext cx="5299072" cy="1395499"/>
       </dsp:txXfrm>
     </dsp:sp>
     <dsp:sp modelId="{74837636-4821-344D-A25E-44052986B039}">
@@ -3080,8 +3084,8 @@
       </dsp:nvSpPr>
       <dsp:spPr>
         <a:xfrm>
-          <a:off x="6045945" y="0"/>
-          <a:ext cx="5594728" cy="3488748"/>
+          <a:off x="5723620" y="0"/>
+          <a:ext cx="5920070" cy="3488748"/>
         </a:xfrm>
         <a:prstGeom prst="rect">
           <a:avLst/>
@@ -3167,7 +3171,7 @@
         </a:fontRef>
       </dsp:style>
       <dsp:txBody>
-        <a:bodyPr spcFirstLastPara="0" vert="horz" wrap="square" lIns="552635" tIns="0" rIns="552635" bIns="330200" numCol="1" spcCol="1270" anchor="t" anchorCtr="0">
+        <a:bodyPr spcFirstLastPara="0" vert="horz" wrap="square" lIns="523431" tIns="0" rIns="523431" bIns="330200" numCol="1" spcCol="1270" anchor="t" anchorCtr="0">
           <a:noAutofit/>
         </a:bodyPr>
         <a:lstStyle/>
@@ -3186,14 +3190,18 @@
           </a:pPr>
           <a:r>
             <a:rPr lang="en-GB" sz="3600" i="1" kern="1200" dirty="0"/>
-            <a:t>Underestimated effect of oil price </a:t>
+            <a:t>Underestimated effect of oil price on </a:t>
+          </a:r>
+          <a:r>
+            <a:rPr lang="en-GB" sz="3600" i="1" kern="1200"/>
+            <a:t>other variables</a:t>
           </a:r>
           <a:endParaRPr lang="en-US" sz="3600" kern="1200" dirty="0"/>
         </a:p>
       </dsp:txBody>
       <dsp:txXfrm>
-        <a:off x="6045945" y="1395499"/>
-        <a:ext cx="5594728" cy="2093248"/>
+        <a:off x="5723620" y="1395499"/>
+        <a:ext cx="5920070" cy="2093248"/>
       </dsp:txXfrm>
     </dsp:sp>
     <dsp:sp modelId="{31098499-6EB6-D246-9C9F-8B7C99F80A61}">
@@ -3203,8 +3211,8 @@
       </dsp:nvSpPr>
       <dsp:spPr>
         <a:xfrm>
-          <a:off x="6045945" y="0"/>
-          <a:ext cx="5594728" cy="1395499"/>
+          <a:off x="6034119" y="0"/>
+          <a:ext cx="5299072" cy="1395499"/>
         </a:xfrm>
         <a:prstGeom prst="rect">
           <a:avLst/>
@@ -3244,7 +3252,7 @@
         </a:fontRef>
       </dsp:style>
       <dsp:txBody>
-        <a:bodyPr spcFirstLastPara="0" vert="horz" wrap="square" lIns="552635" tIns="165100" rIns="552635" bIns="165100" numCol="1" spcCol="1270" anchor="ctr" anchorCtr="0">
+        <a:bodyPr spcFirstLastPara="0" vert="horz" wrap="square" lIns="523431" tIns="165100" rIns="523431" bIns="165100" numCol="1" spcCol="1270" anchor="ctr" anchorCtr="0">
           <a:noAutofit/>
         </a:bodyPr>
         <a:lstStyle/>
@@ -3268,8 +3276,8 @@
         </a:p>
       </dsp:txBody>
       <dsp:txXfrm>
-        <a:off x="6045945" y="0"/>
-        <a:ext cx="5594728" cy="1395499"/>
+        <a:off x="6034119" y="0"/>
+        <a:ext cx="5299072" cy="1395499"/>
       </dsp:txXfrm>
     </dsp:sp>
   </dsp:spTree>
@@ -5986,7 +5994,7 @@
           <a:p>
             <a:fld id="{4202D2C2-516C-404B-AF33-E4ECF815B7B8}" type="datetimeFigureOut">
               <a:rPr lang="en-US" smtClean="0"/>
-              <a:t>1/22/19</a:t>
+              <a:t>1/23/19</a:t>
             </a:fld>
             <a:endParaRPr lang="en-US"/>
           </a:p>
@@ -7185,7 +7193,7 @@
           <a:p>
             <a:fld id="{0617FE68-8388-4A2C-B5C4-9386B84E52D7}" type="datetimeFigureOut">
               <a:rPr lang="en-GB" smtClean="0"/>
-              <a:t>22/01/2019</a:t>
+              <a:t>23/01/2019</a:t>
             </a:fld>
             <a:endParaRPr lang="en-GB"/>
           </a:p>
@@ -7355,7 +7363,7 @@
           <a:p>
             <a:fld id="{0617FE68-8388-4A2C-B5C4-9386B84E52D7}" type="datetimeFigureOut">
               <a:rPr lang="en-GB" smtClean="0"/>
-              <a:t>22/01/2019</a:t>
+              <a:t>23/01/2019</a:t>
             </a:fld>
             <a:endParaRPr lang="en-GB"/>
           </a:p>
@@ -7535,7 +7543,7 @@
           <a:p>
             <a:fld id="{0617FE68-8388-4A2C-B5C4-9386B84E52D7}" type="datetimeFigureOut">
               <a:rPr lang="en-GB" smtClean="0"/>
-              <a:t>22/01/2019</a:t>
+              <a:t>23/01/2019</a:t>
             </a:fld>
             <a:endParaRPr lang="en-GB"/>
           </a:p>
@@ -7705,7 +7713,7 @@
           <a:p>
             <a:fld id="{0617FE68-8388-4A2C-B5C4-9386B84E52D7}" type="datetimeFigureOut">
               <a:rPr lang="en-GB" smtClean="0"/>
-              <a:t>22/01/2019</a:t>
+              <a:t>23/01/2019</a:t>
             </a:fld>
             <a:endParaRPr lang="en-GB"/>
           </a:p>
@@ -7965,7 +7973,7 @@
           <a:p>
             <a:fld id="{0617FE68-8388-4A2C-B5C4-9386B84E52D7}" type="datetimeFigureOut">
               <a:rPr lang="en-GB" smtClean="0"/>
-              <a:t>22/01/2019</a:t>
+              <a:t>23/01/2019</a:t>
             </a:fld>
             <a:endParaRPr lang="en-GB"/>
           </a:p>
@@ -8197,7 +8205,7 @@
           <a:p>
             <a:fld id="{0617FE68-8388-4A2C-B5C4-9386B84E52D7}" type="datetimeFigureOut">
               <a:rPr lang="en-GB" smtClean="0"/>
-              <a:t>22/01/2019</a:t>
+              <a:t>23/01/2019</a:t>
             </a:fld>
             <a:endParaRPr lang="en-GB"/>
           </a:p>
@@ -8552,7 +8560,7 @@
           <a:p>
             <a:fld id="{0617FE68-8388-4A2C-B5C4-9386B84E52D7}" type="datetimeFigureOut">
               <a:rPr lang="en-GB" smtClean="0"/>
-              <a:t>22/01/2019</a:t>
+              <a:t>23/01/2019</a:t>
             </a:fld>
             <a:endParaRPr lang="en-GB"/>
           </a:p>
@@ -8693,7 +8701,7 @@
           <a:p>
             <a:fld id="{0617FE68-8388-4A2C-B5C4-9386B84E52D7}" type="datetimeFigureOut">
               <a:rPr lang="en-GB" smtClean="0"/>
-              <a:t>22/01/2019</a:t>
+              <a:t>23/01/2019</a:t>
             </a:fld>
             <a:endParaRPr lang="en-GB"/>
           </a:p>
@@ -8788,7 +8796,7 @@
           <a:p>
             <a:fld id="{0617FE68-8388-4A2C-B5C4-9386B84E52D7}" type="datetimeFigureOut">
               <a:rPr lang="en-GB" smtClean="0"/>
-              <a:t>22/01/2019</a:t>
+              <a:t>23/01/2019</a:t>
             </a:fld>
             <a:endParaRPr lang="en-GB"/>
           </a:p>
@@ -9145,7 +9153,7 @@
           <a:p>
             <a:fld id="{0617FE68-8388-4A2C-B5C4-9386B84E52D7}" type="datetimeFigureOut">
               <a:rPr lang="en-GB" smtClean="0"/>
-              <a:t>22/01/2019</a:t>
+              <a:t>23/01/2019</a:t>
             </a:fld>
             <a:endParaRPr lang="en-GB"/>
           </a:p>
@@ -9463,7 +9471,7 @@
           <a:p>
             <a:fld id="{0617FE68-8388-4A2C-B5C4-9386B84E52D7}" type="datetimeFigureOut">
               <a:rPr lang="en-GB" smtClean="0"/>
-              <a:t>22/01/2019</a:t>
+              <a:t>23/01/2019</a:t>
             </a:fld>
             <a:endParaRPr lang="en-GB"/>
           </a:p>
@@ -9707,7 +9715,7 @@
           <a:p>
             <a:fld id="{0617FE68-8388-4A2C-B5C4-9386B84E52D7}" type="datetimeFigureOut">
               <a:rPr lang="en-GB" smtClean="0"/>
-              <a:t>22/01/2019</a:t>
+              <a:t>23/01/2019</a:t>
             </a:fld>
             <a:endParaRPr lang="en-GB"/>
           </a:p>
@@ -17532,7 +17540,7 @@
           <p:nvPr>
             <p:extLst>
               <p:ext uri="{D42A27DB-BD31-4B8C-83A1-F6EECF244321}">
-                <p14:modId xmlns:p14="http://schemas.microsoft.com/office/powerpoint/2010/main" val="2783310938"/>
+                <p14:modId xmlns:p14="http://schemas.microsoft.com/office/powerpoint/2010/main" val="2970945132"/>
               </p:ext>
             </p:extLst>
           </p:nvPr>
